--- a/S4 Documents/S4_presentation.pptx
+++ b/S4 Documents/S4_presentation.pptx
@@ -10322,7 +10322,7 @@
         </p:nvSpPr>
         <p:spPr>
           <a:xfrm>
-            <a:off x="1397285" y="5697557"/>
+            <a:off x="177615" y="5212035"/>
             <a:ext cx="2486346" cy="723275"/>
           </a:xfrm>
           <a:prstGeom prst="rect">
@@ -10342,7 +10342,7 @@
               </a:spcAft>
             </a:pPr>
             <a:r>
-              <a:rPr lang="en-AZ"/>
+              <a:rPr lang="en-AZ" dirty="0"/>
               <a:t>Kamran Karimov</a:t>
             </a:r>
           </a:p>
@@ -10353,7 +10353,7 @@
               </a:spcAft>
             </a:pPr>
             <a:r>
-              <a:rPr lang="en-AZ"/>
+              <a:rPr lang="en-AZ" dirty="0"/>
               <a:t>Elza Gurbanova</a:t>
             </a:r>
           </a:p>
